--- a/Week6/Intro_to_Modeling_and_Basic_Concepts/Naive Bayes Classifier.pptx
+++ b/Week6/Intro_to_Modeling_and_Basic_Concepts/Naive Bayes Classifier.pptx
@@ -19,7 +19,7 @@
     <p:sldId id="302" r:id="rId10"/>
     <p:sldId id="303" r:id="rId11"/>
     <p:sldId id="305" r:id="rId12"/>
-    <p:sldId id="306" r:id="rId13"/>
+    <p:sldId id="315" r:id="rId13"/>
     <p:sldId id="307" r:id="rId14"/>
     <p:sldId id="308" r:id="rId15"/>
     <p:sldId id="309" r:id="rId16"/>
@@ -14912,8 +14912,8 @@
         </p:nvSpPr>
         <p:spPr>
           <a:xfrm rot="-5400000">
-            <a:off x="1308365" y="1707362"/>
-            <a:ext cx="1339225" cy="3791611"/>
+            <a:off x="1706887" y="2329275"/>
+            <a:ext cx="696000" cy="1682700"/>
           </a:xfrm>
           <a:prstGeom prst="round2SameRect">
             <a:avLst>
@@ -14945,15 +14945,669 @@
               </a:spcAft>
               <a:buNone/>
             </a:pPr>
-            <a:endParaRPr b="1">
+            <a:endParaRPr/>
+          </a:p>
+        </p:txBody>
+      </p:sp>
+      <p:sp>
+        <p:nvSpPr>
+          <p:cNvPr id="567" name="Google Shape;567;p42"/>
+          <p:cNvSpPr txBox="1"/>
+          <p:nvPr/>
+        </p:nvSpPr>
+        <p:spPr>
+          <a:xfrm>
+            <a:off x="1256462" y="3794632"/>
+            <a:ext cx="1987345" cy="678217"/>
+          </a:xfrm>
+          <a:prstGeom prst="rect">
+            <a:avLst/>
+          </a:prstGeom>
+          <a:noFill/>
+          <a:ln>
+            <a:noFill/>
+          </a:ln>
+        </p:spPr>
+        <p:txBody>
+          <a:bodyPr spcFirstLastPara="1" wrap="square" lIns="91425" tIns="91425" rIns="91425" bIns="91425" anchor="ctr" anchorCtr="0">
+            <a:noAutofit/>
+          </a:bodyPr>
+          <a:lstStyle/>
+          <a:p>
+            <a:pPr lvl="0"/>
+            <a:r>
+              <a:rPr lang="en-US" sz="1800" dirty="0">
+                <a:solidFill>
+                  <a:schemeClr val="bg1">
+                    <a:lumMod val="50000"/>
+                  </a:schemeClr>
+                </a:solidFill>
+                <a:latin typeface="Marvel" charset="0"/>
+              </a:rPr>
+              <a:t>This algorithm works quickly and can save a lot of time</a:t>
+            </a:r>
+            <a:endParaRPr sz="1800" b="1" dirty="0">
+              <a:solidFill>
+                <a:schemeClr val="bg1">
+                  <a:lumMod val="50000"/>
+                </a:schemeClr>
+              </a:solidFill>
               <a:latin typeface="Marvel" charset="0"/>
+              <a:ea typeface="Marvel"/>
+              <a:cs typeface="Marvel"/>
+              <a:sym typeface="Marvel"/>
             </a:endParaRPr>
           </a:p>
         </p:txBody>
       </p:sp>
       <p:sp>
         <p:nvSpPr>
-          <p:cNvPr id="565" name="Google Shape;565;p42"/>
+          <p:cNvPr id="569" name="Google Shape;569;p42"/>
+          <p:cNvSpPr txBox="1"/>
+          <p:nvPr/>
+        </p:nvSpPr>
+        <p:spPr>
+          <a:xfrm>
+            <a:off x="5822423" y="952432"/>
+            <a:ext cx="2128546" cy="1021975"/>
+          </a:xfrm>
+          <a:prstGeom prst="rect">
+            <a:avLst/>
+          </a:prstGeom>
+          <a:noFill/>
+          <a:ln>
+            <a:noFill/>
+          </a:ln>
+        </p:spPr>
+        <p:txBody>
+          <a:bodyPr spcFirstLastPara="1" wrap="square" lIns="91425" tIns="91425" rIns="91425" bIns="91425" anchor="ctr" anchorCtr="0">
+            <a:noAutofit/>
+          </a:bodyPr>
+          <a:lstStyle/>
+          <a:p>
+            <a:pPr lvl="0"/>
+            <a:r>
+              <a:rPr lang="en-US" sz="1800" dirty="0" smtClean="0">
+                <a:solidFill>
+                  <a:schemeClr val="bg1">
+                    <a:lumMod val="50000"/>
+                  </a:schemeClr>
+                </a:solidFill>
+                <a:latin typeface="Marvel" charset="0"/>
+              </a:rPr>
+              <a:t>Naïve </a:t>
+            </a:r>
+            <a:r>
+              <a:rPr lang="en-US" sz="1800" dirty="0">
+                <a:solidFill>
+                  <a:schemeClr val="bg1">
+                    <a:lumMod val="50000"/>
+                  </a:schemeClr>
+                </a:solidFill>
+                <a:latin typeface="Marvel" charset="0"/>
+              </a:rPr>
+              <a:t>Bayes is better suited for categorical input variables than numerical variables</a:t>
+            </a:r>
+            <a:endParaRPr sz="1800" b="1" dirty="0">
+              <a:solidFill>
+                <a:schemeClr val="bg1">
+                  <a:lumMod val="50000"/>
+                </a:schemeClr>
+              </a:solidFill>
+              <a:latin typeface="Marvel" charset="0"/>
+              <a:ea typeface="Marvel"/>
+              <a:cs typeface="Marvel"/>
+              <a:sym typeface="Marvel"/>
+            </a:endParaRPr>
+          </a:p>
+        </p:txBody>
+      </p:sp>
+      <p:sp>
+        <p:nvSpPr>
+          <p:cNvPr id="571" name="Google Shape;571;p42"/>
+          <p:cNvSpPr txBox="1"/>
+          <p:nvPr/>
+        </p:nvSpPr>
+        <p:spPr>
+          <a:xfrm>
+            <a:off x="2250135" y="1719868"/>
+            <a:ext cx="2026514" cy="586695"/>
+          </a:xfrm>
+          <a:prstGeom prst="rect">
+            <a:avLst/>
+          </a:prstGeom>
+          <a:noFill/>
+          <a:ln>
+            <a:noFill/>
+          </a:ln>
+        </p:spPr>
+        <p:txBody>
+          <a:bodyPr spcFirstLastPara="1" wrap="square" lIns="91425" tIns="91425" rIns="91425" bIns="91425" anchor="ctr" anchorCtr="0">
+            <a:noAutofit/>
+          </a:bodyPr>
+          <a:lstStyle/>
+          <a:p>
+            <a:pPr lvl="0" algn="r"/>
+            <a:r>
+              <a:rPr lang="en-US" sz="1800" dirty="0" smtClean="0">
+                <a:solidFill>
+                  <a:schemeClr val="bg1">
+                    <a:lumMod val="50000"/>
+                  </a:schemeClr>
+                </a:solidFill>
+                <a:latin typeface="Marvel" charset="0"/>
+              </a:rPr>
+              <a:t>Naïve </a:t>
+            </a:r>
+            <a:r>
+              <a:rPr lang="en-US" sz="1800" dirty="0">
+                <a:solidFill>
+                  <a:schemeClr val="bg1">
+                    <a:lumMod val="50000"/>
+                  </a:schemeClr>
+                </a:solidFill>
+                <a:latin typeface="Marvel" charset="0"/>
+              </a:rPr>
+              <a:t>Bayes is suitable for solving multi-class prediction problems</a:t>
+            </a:r>
+            <a:endParaRPr sz="1800" b="1" dirty="0">
+              <a:solidFill>
+                <a:schemeClr val="bg1">
+                  <a:lumMod val="50000"/>
+                </a:schemeClr>
+              </a:solidFill>
+              <a:latin typeface="Marvel" charset="0"/>
+              <a:ea typeface="Marvel"/>
+              <a:cs typeface="Marvel"/>
+              <a:sym typeface="Marvel"/>
+            </a:endParaRPr>
+          </a:p>
+        </p:txBody>
+      </p:sp>
+      <p:sp>
+        <p:nvSpPr>
+          <p:cNvPr id="575" name="Google Shape;575;p42"/>
+          <p:cNvSpPr txBox="1"/>
+          <p:nvPr/>
+        </p:nvSpPr>
+        <p:spPr>
+          <a:xfrm>
+            <a:off x="4321036" y="3386893"/>
+            <a:ext cx="2766350" cy="1419392"/>
+          </a:xfrm>
+          <a:prstGeom prst="rect">
+            <a:avLst/>
+          </a:prstGeom>
+          <a:noFill/>
+          <a:ln>
+            <a:noFill/>
+          </a:ln>
+        </p:spPr>
+        <p:txBody>
+          <a:bodyPr spcFirstLastPara="1" wrap="square" lIns="91425" tIns="91425" rIns="91425" bIns="91425" anchor="ctr" anchorCtr="0">
+            <a:noAutofit/>
+          </a:bodyPr>
+          <a:lstStyle/>
+          <a:p>
+            <a:pPr lvl="0"/>
+            <a:r>
+              <a:rPr lang="en-US" sz="1800" dirty="0">
+                <a:solidFill>
+                  <a:schemeClr val="bg1">
+                    <a:lumMod val="50000"/>
+                  </a:schemeClr>
+                </a:solidFill>
+                <a:latin typeface="Marvel" charset="0"/>
+              </a:rPr>
+              <a:t>If its assumption of the independence of features </a:t>
+            </a:r>
+            <a:endParaRPr lang="en-US" sz="1800" dirty="0" smtClean="0">
+              <a:solidFill>
+                <a:schemeClr val="bg1">
+                  <a:lumMod val="50000"/>
+                </a:schemeClr>
+              </a:solidFill>
+              <a:latin typeface="Marvel" charset="0"/>
+            </a:endParaRPr>
+          </a:p>
+          <a:p>
+            <a:pPr lvl="0"/>
+            <a:r>
+              <a:rPr lang="en-US" sz="1800" dirty="0" smtClean="0">
+                <a:solidFill>
+                  <a:schemeClr val="bg1">
+                    <a:lumMod val="50000"/>
+                  </a:schemeClr>
+                </a:solidFill>
+                <a:latin typeface="Marvel" charset="0"/>
+              </a:rPr>
+              <a:t>holds </a:t>
+            </a:r>
+            <a:r>
+              <a:rPr lang="en-US" sz="1800" dirty="0">
+                <a:solidFill>
+                  <a:schemeClr val="bg1">
+                    <a:lumMod val="50000"/>
+                  </a:schemeClr>
+                </a:solidFill>
+                <a:latin typeface="Marvel" charset="0"/>
+              </a:rPr>
+              <a:t>true, it can perform </a:t>
+            </a:r>
+            <a:endParaRPr lang="en-US" sz="1800" dirty="0" smtClean="0">
+              <a:solidFill>
+                <a:schemeClr val="bg1">
+                  <a:lumMod val="50000"/>
+                </a:schemeClr>
+              </a:solidFill>
+              <a:latin typeface="Marvel" charset="0"/>
+            </a:endParaRPr>
+          </a:p>
+          <a:p>
+            <a:pPr lvl="0"/>
+            <a:r>
+              <a:rPr lang="en-US" sz="1800" dirty="0" smtClean="0">
+                <a:solidFill>
+                  <a:schemeClr val="bg1">
+                    <a:lumMod val="50000"/>
+                  </a:schemeClr>
+                </a:solidFill>
+                <a:latin typeface="Marvel" charset="0"/>
+              </a:rPr>
+              <a:t>better </a:t>
+            </a:r>
+            <a:r>
+              <a:rPr lang="en-US" sz="1800" dirty="0">
+                <a:solidFill>
+                  <a:schemeClr val="bg1">
+                    <a:lumMod val="50000"/>
+                  </a:schemeClr>
+                </a:solidFill>
+                <a:latin typeface="Marvel" charset="0"/>
+              </a:rPr>
+              <a:t>than other models and requires much less training data</a:t>
+            </a:r>
+            <a:endParaRPr sz="1800" b="1" dirty="0">
+              <a:solidFill>
+                <a:schemeClr val="bg1">
+                  <a:lumMod val="50000"/>
+                </a:schemeClr>
+              </a:solidFill>
+              <a:latin typeface="Marvel" charset="0"/>
+              <a:ea typeface="Marvel"/>
+              <a:cs typeface="Marvel"/>
+              <a:sym typeface="Marvel"/>
+            </a:endParaRPr>
+          </a:p>
+        </p:txBody>
+      </p:sp>
+      <p:sp>
+        <p:nvSpPr>
+          <p:cNvPr id="576" name="Google Shape;576;p42"/>
+          <p:cNvSpPr txBox="1"/>
+          <p:nvPr/>
+        </p:nvSpPr>
+        <p:spPr>
+          <a:xfrm>
+            <a:off x="1582323" y="2978175"/>
+            <a:ext cx="1071600" cy="384900"/>
+          </a:xfrm>
+          <a:prstGeom prst="rect">
+            <a:avLst/>
+          </a:prstGeom>
+          <a:noFill/>
+          <a:ln>
+            <a:noFill/>
+          </a:ln>
+        </p:spPr>
+        <p:txBody>
+          <a:bodyPr spcFirstLastPara="1" wrap="square" lIns="91425" tIns="91425" rIns="91425" bIns="91425" anchor="ctr" anchorCtr="0">
+            <a:noAutofit/>
+          </a:bodyPr>
+          <a:lstStyle/>
+          <a:p>
+            <a:pPr marL="0" lvl="0" indent="0" algn="ctr" rtl="0">
+              <a:spcBef>
+                <a:spcPts val="0"/>
+              </a:spcBef>
+              <a:spcAft>
+                <a:spcPts val="0"/>
+              </a:spcAft>
+              <a:buNone/>
+            </a:pPr>
+            <a:r>
+              <a:rPr lang="en" sz="3000" b="1">
+                <a:solidFill>
+                  <a:schemeClr val="lt1"/>
+                </a:solidFill>
+                <a:latin typeface="Marvel"/>
+                <a:ea typeface="Marvel"/>
+                <a:cs typeface="Marvel"/>
+                <a:sym typeface="Marvel"/>
+              </a:rPr>
+              <a:t>01</a:t>
+            </a:r>
+            <a:endParaRPr sz="3000" b="1">
+              <a:solidFill>
+                <a:schemeClr val="lt1"/>
+              </a:solidFill>
+              <a:latin typeface="Marvel"/>
+              <a:ea typeface="Marvel"/>
+              <a:cs typeface="Marvel"/>
+              <a:sym typeface="Marvel"/>
+            </a:endParaRPr>
+          </a:p>
+        </p:txBody>
+      </p:sp>
+      <p:sp>
+        <p:nvSpPr>
+          <p:cNvPr id="577" name="Google Shape;577;p42"/>
+          <p:cNvSpPr/>
+          <p:nvPr/>
+        </p:nvSpPr>
+        <p:spPr>
+          <a:xfrm>
+            <a:off x="2741523" y="2635725"/>
+            <a:ext cx="1700700" cy="696000"/>
+          </a:xfrm>
+          <a:prstGeom prst="roundRect">
+            <a:avLst>
+              <a:gd name="adj" fmla="val 16667"/>
+            </a:avLst>
+          </a:prstGeom>
+          <a:solidFill>
+            <a:srgbClr val="AED7E8">
+              <a:alpha val="73600"/>
+            </a:srgbClr>
+          </a:solidFill>
+          <a:ln>
+            <a:noFill/>
+          </a:ln>
+        </p:spPr>
+        <p:txBody>
+          <a:bodyPr spcFirstLastPara="1" wrap="square" lIns="91425" tIns="91425" rIns="91425" bIns="91425" anchor="ctr" anchorCtr="0">
+            <a:noAutofit/>
+          </a:bodyPr>
+          <a:lstStyle/>
+          <a:p>
+            <a:pPr marL="0" lvl="0" indent="0" algn="l" rtl="0">
+              <a:spcBef>
+                <a:spcPts val="0"/>
+              </a:spcBef>
+              <a:spcAft>
+                <a:spcPts val="0"/>
+              </a:spcAft>
+              <a:buNone/>
+            </a:pPr>
+            <a:endParaRPr/>
+          </a:p>
+        </p:txBody>
+      </p:sp>
+      <p:sp>
+        <p:nvSpPr>
+          <p:cNvPr id="578" name="Google Shape;578;p42"/>
+          <p:cNvSpPr txBox="1"/>
+          <p:nvPr/>
+        </p:nvSpPr>
+        <p:spPr>
+          <a:xfrm>
+            <a:off x="3056073" y="2791275"/>
+            <a:ext cx="1071600" cy="384900"/>
+          </a:xfrm>
+          <a:prstGeom prst="rect">
+            <a:avLst/>
+          </a:prstGeom>
+          <a:noFill/>
+          <a:ln>
+            <a:noFill/>
+          </a:ln>
+        </p:spPr>
+        <p:txBody>
+          <a:bodyPr spcFirstLastPara="1" wrap="square" lIns="91425" tIns="91425" rIns="91425" bIns="91425" anchor="ctr" anchorCtr="0">
+            <a:noAutofit/>
+          </a:bodyPr>
+          <a:lstStyle/>
+          <a:p>
+            <a:pPr marL="0" lvl="0" indent="0" algn="ctr" rtl="0">
+              <a:spcBef>
+                <a:spcPts val="0"/>
+              </a:spcBef>
+              <a:spcAft>
+                <a:spcPts val="0"/>
+              </a:spcAft>
+              <a:buNone/>
+            </a:pPr>
+            <a:r>
+              <a:rPr lang="en" sz="3000" b="1">
+                <a:solidFill>
+                  <a:schemeClr val="lt1"/>
+                </a:solidFill>
+                <a:latin typeface="Marvel"/>
+                <a:ea typeface="Marvel"/>
+                <a:cs typeface="Marvel"/>
+                <a:sym typeface="Marvel"/>
+              </a:rPr>
+              <a:t>02</a:t>
+            </a:r>
+            <a:endParaRPr sz="3000" b="1">
+              <a:solidFill>
+                <a:schemeClr val="lt1"/>
+              </a:solidFill>
+              <a:latin typeface="Marvel"/>
+              <a:ea typeface="Marvel"/>
+              <a:cs typeface="Marvel"/>
+              <a:sym typeface="Marvel"/>
+            </a:endParaRPr>
+          </a:p>
+        </p:txBody>
+      </p:sp>
+      <p:sp>
+        <p:nvSpPr>
+          <p:cNvPr id="579" name="Google Shape;579;p42"/>
+          <p:cNvSpPr/>
+          <p:nvPr/>
+        </p:nvSpPr>
+        <p:spPr>
+          <a:xfrm>
+            <a:off x="4276648" y="2395825"/>
+            <a:ext cx="1700700" cy="696000"/>
+          </a:xfrm>
+          <a:prstGeom prst="roundRect">
+            <a:avLst>
+              <a:gd name="adj" fmla="val 16667"/>
+            </a:avLst>
+          </a:prstGeom>
+          <a:solidFill>
+            <a:srgbClr val="EE8C94">
+              <a:alpha val="60390"/>
+            </a:srgbClr>
+          </a:solidFill>
+          <a:ln>
+            <a:noFill/>
+          </a:ln>
+        </p:spPr>
+        <p:txBody>
+          <a:bodyPr spcFirstLastPara="1" wrap="square" lIns="91425" tIns="91425" rIns="91425" bIns="91425" anchor="ctr" anchorCtr="0">
+            <a:noAutofit/>
+          </a:bodyPr>
+          <a:lstStyle/>
+          <a:p>
+            <a:pPr marL="0" lvl="0" indent="0" algn="l" rtl="0">
+              <a:spcBef>
+                <a:spcPts val="0"/>
+              </a:spcBef>
+              <a:spcAft>
+                <a:spcPts val="0"/>
+              </a:spcAft>
+              <a:buNone/>
+            </a:pPr>
+            <a:endParaRPr/>
+          </a:p>
+        </p:txBody>
+      </p:sp>
+      <p:sp>
+        <p:nvSpPr>
+          <p:cNvPr id="580" name="Google Shape;580;p42"/>
+          <p:cNvSpPr/>
+          <p:nvPr/>
+        </p:nvSpPr>
+        <p:spPr>
+          <a:xfrm>
+            <a:off x="5822423" y="2166925"/>
+            <a:ext cx="1700700" cy="696000"/>
+          </a:xfrm>
+          <a:prstGeom prst="roundRect">
+            <a:avLst>
+              <a:gd name="adj" fmla="val 16667"/>
+            </a:avLst>
+          </a:prstGeom>
+          <a:solidFill>
+            <a:srgbClr val="AED7E8">
+              <a:alpha val="73600"/>
+            </a:srgbClr>
+          </a:solidFill>
+          <a:ln>
+            <a:noFill/>
+          </a:ln>
+        </p:spPr>
+        <p:txBody>
+          <a:bodyPr spcFirstLastPara="1" wrap="square" lIns="91425" tIns="91425" rIns="91425" bIns="91425" anchor="ctr" anchorCtr="0">
+            <a:noAutofit/>
+          </a:bodyPr>
+          <a:lstStyle/>
+          <a:p>
+            <a:pPr marL="0" lvl="0" indent="0" algn="l" rtl="0">
+              <a:spcBef>
+                <a:spcPts val="0"/>
+              </a:spcBef>
+              <a:spcAft>
+                <a:spcPts val="0"/>
+              </a:spcAft>
+              <a:buNone/>
+            </a:pPr>
+            <a:endParaRPr/>
+          </a:p>
+        </p:txBody>
+      </p:sp>
+      <p:sp>
+        <p:nvSpPr>
+          <p:cNvPr id="582" name="Google Shape;582;p42"/>
+          <p:cNvSpPr txBox="1"/>
+          <p:nvPr/>
+        </p:nvSpPr>
+        <p:spPr>
+          <a:xfrm>
+            <a:off x="4591198" y="2551375"/>
+            <a:ext cx="1071600" cy="384900"/>
+          </a:xfrm>
+          <a:prstGeom prst="rect">
+            <a:avLst/>
+          </a:prstGeom>
+          <a:noFill/>
+          <a:ln>
+            <a:noFill/>
+          </a:ln>
+        </p:spPr>
+        <p:txBody>
+          <a:bodyPr spcFirstLastPara="1" wrap="square" lIns="91425" tIns="91425" rIns="91425" bIns="91425" anchor="ctr" anchorCtr="0">
+            <a:noAutofit/>
+          </a:bodyPr>
+          <a:lstStyle/>
+          <a:p>
+            <a:pPr marL="0" lvl="0" indent="0" algn="ctr" rtl="0">
+              <a:spcBef>
+                <a:spcPts val="0"/>
+              </a:spcBef>
+              <a:spcAft>
+                <a:spcPts val="0"/>
+              </a:spcAft>
+              <a:buNone/>
+            </a:pPr>
+            <a:r>
+              <a:rPr lang="en" sz="3000" b="1">
+                <a:solidFill>
+                  <a:schemeClr val="lt1"/>
+                </a:solidFill>
+                <a:latin typeface="Marvel"/>
+                <a:ea typeface="Marvel"/>
+                <a:cs typeface="Marvel"/>
+                <a:sym typeface="Marvel"/>
+              </a:rPr>
+              <a:t>03</a:t>
+            </a:r>
+            <a:endParaRPr sz="3000" b="1">
+              <a:solidFill>
+                <a:schemeClr val="lt1"/>
+              </a:solidFill>
+              <a:latin typeface="Marvel"/>
+              <a:ea typeface="Marvel"/>
+              <a:cs typeface="Marvel"/>
+              <a:sym typeface="Marvel"/>
+            </a:endParaRPr>
+          </a:p>
+        </p:txBody>
+      </p:sp>
+      <p:sp>
+        <p:nvSpPr>
+          <p:cNvPr id="583" name="Google Shape;583;p42"/>
+          <p:cNvSpPr txBox="1"/>
+          <p:nvPr/>
+        </p:nvSpPr>
+        <p:spPr>
+          <a:xfrm>
+            <a:off x="6136973" y="2322475"/>
+            <a:ext cx="1071600" cy="384900"/>
+          </a:xfrm>
+          <a:prstGeom prst="rect">
+            <a:avLst/>
+          </a:prstGeom>
+          <a:noFill/>
+          <a:ln>
+            <a:noFill/>
+          </a:ln>
+        </p:spPr>
+        <p:txBody>
+          <a:bodyPr spcFirstLastPara="1" wrap="square" lIns="91425" tIns="91425" rIns="91425" bIns="91425" anchor="ctr" anchorCtr="0">
+            <a:noAutofit/>
+          </a:bodyPr>
+          <a:lstStyle/>
+          <a:p>
+            <a:pPr marL="0" lvl="0" indent="0" algn="ctr" rtl="0">
+              <a:spcBef>
+                <a:spcPts val="0"/>
+              </a:spcBef>
+              <a:spcAft>
+                <a:spcPts val="0"/>
+              </a:spcAft>
+              <a:buNone/>
+            </a:pPr>
+            <a:r>
+              <a:rPr lang="en" sz="3000" b="1">
+                <a:solidFill>
+                  <a:schemeClr val="lt1"/>
+                </a:solidFill>
+                <a:latin typeface="Marvel"/>
+                <a:ea typeface="Marvel"/>
+                <a:cs typeface="Marvel"/>
+                <a:sym typeface="Marvel"/>
+              </a:rPr>
+              <a:t>04</a:t>
+            </a:r>
+            <a:endParaRPr sz="3000" b="1">
+              <a:solidFill>
+                <a:schemeClr val="lt1"/>
+              </a:solidFill>
+              <a:latin typeface="Marvel"/>
+              <a:ea typeface="Marvel"/>
+              <a:cs typeface="Marvel"/>
+              <a:sym typeface="Marvel"/>
+            </a:endParaRPr>
+          </a:p>
+        </p:txBody>
+      </p:sp>
+      <p:sp>
+        <p:nvSpPr>
+          <p:cNvPr id="24" name="Google Shape;565;p42"/>
           <p:cNvSpPr txBox="1">
             <a:spLocks noGrp="1"/>
           </p:cNvSpPr>
@@ -15007,475 +15661,10 @@
           </a:p>
         </p:txBody>
       </p:sp>
-      <p:sp>
-        <p:nvSpPr>
-          <p:cNvPr id="566" name="Google Shape;566;p42"/>
-          <p:cNvSpPr txBox="1"/>
-          <p:nvPr/>
-        </p:nvSpPr>
-        <p:spPr>
-          <a:xfrm>
-            <a:off x="225097" y="4272780"/>
-            <a:ext cx="3505759" cy="1132824"/>
-          </a:xfrm>
-          <a:prstGeom prst="rect">
-            <a:avLst/>
-          </a:prstGeom>
-          <a:noFill/>
-          <a:ln>
-            <a:noFill/>
-          </a:ln>
-        </p:spPr>
-        <p:txBody>
-          <a:bodyPr spcFirstLastPara="1" wrap="square" lIns="91425" tIns="91425" rIns="91425" bIns="91425" anchor="t" anchorCtr="0">
-            <a:noAutofit/>
-          </a:bodyPr>
-          <a:lstStyle/>
-          <a:p>
-            <a:pPr lvl="0" algn="ctr">
-              <a:spcAft>
-                <a:spcPts val="1600"/>
-              </a:spcAft>
-            </a:pPr>
-            <a:r>
-              <a:rPr lang="en-US" b="1" dirty="0">
-                <a:solidFill>
-                  <a:schemeClr val="accent1">
-                    <a:lumMod val="50000"/>
-                  </a:schemeClr>
-                </a:solidFill>
-                <a:latin typeface="Marvel" charset="0"/>
-                <a:cs typeface="Assistant ExtraLight" charset="-79"/>
-              </a:rPr>
-              <a:t>It is easy and fast to predict class of test data set. It also perform well in multi class </a:t>
-            </a:r>
-            <a:r>
-              <a:rPr lang="en-US" b="1" dirty="0" smtClean="0">
-                <a:solidFill>
-                  <a:schemeClr val="accent1">
-                    <a:lumMod val="50000"/>
-                  </a:schemeClr>
-                </a:solidFill>
-                <a:latin typeface="Marvel" charset="0"/>
-                <a:cs typeface="Assistant ExtraLight" charset="-79"/>
-              </a:rPr>
-              <a:t>prediction</a:t>
-            </a:r>
-            <a:endParaRPr b="1" dirty="0">
-              <a:solidFill>
-                <a:schemeClr val="accent1">
-                  <a:lumMod val="50000"/>
-                </a:schemeClr>
-              </a:solidFill>
-              <a:latin typeface="Marvel" charset="0"/>
-              <a:ea typeface="Assistant ExtraLight"/>
-              <a:cs typeface="Assistant ExtraLight" charset="-79"/>
-              <a:sym typeface="Assistant ExtraLight"/>
-            </a:endParaRPr>
-          </a:p>
-        </p:txBody>
-      </p:sp>
-      <p:sp>
-        <p:nvSpPr>
-          <p:cNvPr id="576" name="Google Shape;576;p42"/>
-          <p:cNvSpPr txBox="1"/>
-          <p:nvPr/>
-        </p:nvSpPr>
-        <p:spPr>
-          <a:xfrm>
-            <a:off x="770665" y="3232860"/>
-            <a:ext cx="2414625" cy="740615"/>
-          </a:xfrm>
-          <a:prstGeom prst="rect">
-            <a:avLst/>
-          </a:prstGeom>
-          <a:noFill/>
-          <a:ln>
-            <a:noFill/>
-          </a:ln>
-        </p:spPr>
-        <p:txBody>
-          <a:bodyPr spcFirstLastPara="1" wrap="square" lIns="91425" tIns="91425" rIns="91425" bIns="91425" anchor="ctr" anchorCtr="0">
-            <a:noAutofit/>
-          </a:bodyPr>
-          <a:lstStyle/>
-          <a:p>
-            <a:pPr marL="0" lvl="0" indent="0" algn="ctr" rtl="0">
-              <a:spcBef>
-                <a:spcPts val="0"/>
-              </a:spcBef>
-              <a:spcAft>
-                <a:spcPts val="0"/>
-              </a:spcAft>
-              <a:buNone/>
-            </a:pPr>
-            <a:r>
-              <a:rPr lang="en" sz="3000" b="1">
-                <a:solidFill>
-                  <a:schemeClr val="lt1"/>
-                </a:solidFill>
-                <a:latin typeface="Marvel" charset="0"/>
-                <a:ea typeface="Marvel"/>
-                <a:cs typeface="Marvel"/>
-                <a:sym typeface="Marvel"/>
-              </a:rPr>
-              <a:t>01</a:t>
-            </a:r>
-            <a:endParaRPr sz="3000" b="1">
-              <a:solidFill>
-                <a:schemeClr val="lt1"/>
-              </a:solidFill>
-              <a:latin typeface="Marvel" charset="0"/>
-              <a:ea typeface="Marvel"/>
-              <a:cs typeface="Marvel"/>
-              <a:sym typeface="Marvel"/>
-            </a:endParaRPr>
-          </a:p>
-        </p:txBody>
-      </p:sp>
-      <p:sp>
-        <p:nvSpPr>
-          <p:cNvPr id="577" name="Google Shape;577;p42"/>
-          <p:cNvSpPr/>
-          <p:nvPr/>
-        </p:nvSpPr>
-        <p:spPr>
-          <a:xfrm>
-            <a:off x="2513978" y="2079588"/>
-            <a:ext cx="3832170" cy="1339225"/>
-          </a:xfrm>
-          <a:prstGeom prst="roundRect">
-            <a:avLst>
-              <a:gd name="adj" fmla="val 16667"/>
-            </a:avLst>
-          </a:prstGeom>
-          <a:solidFill>
-            <a:srgbClr val="AED7E8">
-              <a:alpha val="73600"/>
-            </a:srgbClr>
-          </a:solidFill>
-          <a:ln>
-            <a:noFill/>
-          </a:ln>
-        </p:spPr>
-        <p:txBody>
-          <a:bodyPr spcFirstLastPara="1" wrap="square" lIns="91425" tIns="91425" rIns="91425" bIns="91425" anchor="ctr" anchorCtr="0">
-            <a:noAutofit/>
-          </a:bodyPr>
-          <a:lstStyle/>
-          <a:p>
-            <a:pPr marL="0" lvl="0" indent="0" algn="l" rtl="0">
-              <a:spcBef>
-                <a:spcPts val="0"/>
-              </a:spcBef>
-              <a:spcAft>
-                <a:spcPts val="0"/>
-              </a:spcAft>
-              <a:buNone/>
-            </a:pPr>
-            <a:endParaRPr b="1">
-              <a:latin typeface="Marvel" charset="0"/>
-            </a:endParaRPr>
-          </a:p>
-        </p:txBody>
-      </p:sp>
-      <p:sp>
-        <p:nvSpPr>
-          <p:cNvPr id="578" name="Google Shape;578;p42"/>
-          <p:cNvSpPr txBox="1"/>
-          <p:nvPr/>
-        </p:nvSpPr>
-        <p:spPr>
-          <a:xfrm>
-            <a:off x="3222751" y="2378893"/>
-            <a:ext cx="2414625" cy="740615"/>
-          </a:xfrm>
-          <a:prstGeom prst="rect">
-            <a:avLst/>
-          </a:prstGeom>
-          <a:noFill/>
-          <a:ln>
-            <a:noFill/>
-          </a:ln>
-        </p:spPr>
-        <p:txBody>
-          <a:bodyPr spcFirstLastPara="1" wrap="square" lIns="91425" tIns="91425" rIns="91425" bIns="91425" anchor="ctr" anchorCtr="0">
-            <a:noAutofit/>
-          </a:bodyPr>
-          <a:lstStyle/>
-          <a:p>
-            <a:pPr marL="0" lvl="0" indent="0" algn="ctr" rtl="0">
-              <a:spcBef>
-                <a:spcPts val="0"/>
-              </a:spcBef>
-              <a:spcAft>
-                <a:spcPts val="0"/>
-              </a:spcAft>
-              <a:buNone/>
-            </a:pPr>
-            <a:r>
-              <a:rPr lang="en" sz="3000" b="1" dirty="0">
-                <a:solidFill>
-                  <a:schemeClr val="lt1"/>
-                </a:solidFill>
-                <a:latin typeface="Marvel" charset="0"/>
-                <a:ea typeface="Marvel"/>
-                <a:cs typeface="Marvel"/>
-                <a:sym typeface="Marvel"/>
-              </a:rPr>
-              <a:t>02</a:t>
-            </a:r>
-            <a:endParaRPr sz="3000" b="1" dirty="0">
-              <a:solidFill>
-                <a:schemeClr val="lt1"/>
-              </a:solidFill>
-              <a:latin typeface="Marvel" charset="0"/>
-              <a:ea typeface="Marvel"/>
-              <a:cs typeface="Marvel"/>
-              <a:sym typeface="Marvel"/>
-            </a:endParaRPr>
-          </a:p>
-        </p:txBody>
-      </p:sp>
-      <p:sp>
-        <p:nvSpPr>
-          <p:cNvPr id="25" name="Google Shape;581;p42"/>
-          <p:cNvSpPr/>
-          <p:nvPr/>
-        </p:nvSpPr>
-        <p:spPr>
-          <a:xfrm rot="5400000" flipH="1">
-            <a:off x="6442026" y="140679"/>
-            <a:ext cx="1319575" cy="3861191"/>
-          </a:xfrm>
-          <a:prstGeom prst="round2SameRect">
-            <a:avLst>
-              <a:gd name="adj1" fmla="val 48204"/>
-              <a:gd name="adj2" fmla="val 14845"/>
-            </a:avLst>
-          </a:prstGeom>
-          <a:solidFill>
-            <a:srgbClr val="EE8C94">
-              <a:alpha val="60390"/>
-            </a:srgbClr>
-          </a:solidFill>
-          <a:ln>
-            <a:noFill/>
-          </a:ln>
-        </p:spPr>
-        <p:txBody>
-          <a:bodyPr spcFirstLastPara="1" wrap="square" lIns="91425" tIns="91425" rIns="91425" bIns="91425" anchor="ctr" anchorCtr="0">
-            <a:noAutofit/>
-          </a:bodyPr>
-          <a:lstStyle/>
-          <a:p>
-            <a:pPr marL="0" lvl="0" indent="0" algn="l" rtl="0">
-              <a:spcBef>
-                <a:spcPts val="0"/>
-              </a:spcBef>
-              <a:spcAft>
-                <a:spcPts val="0"/>
-              </a:spcAft>
-              <a:buNone/>
-            </a:pPr>
-            <a:endParaRPr b="1">
-              <a:latin typeface="Marvel" charset="0"/>
-            </a:endParaRPr>
-          </a:p>
-        </p:txBody>
-      </p:sp>
-      <p:sp>
-        <p:nvSpPr>
-          <p:cNvPr id="582" name="Google Shape;582;p42"/>
-          <p:cNvSpPr txBox="1"/>
-          <p:nvPr/>
-        </p:nvSpPr>
-        <p:spPr>
-          <a:xfrm>
-            <a:off x="5894501" y="1700967"/>
-            <a:ext cx="2414625" cy="740615"/>
-          </a:xfrm>
-          <a:prstGeom prst="rect">
-            <a:avLst/>
-          </a:prstGeom>
-          <a:noFill/>
-          <a:ln>
-            <a:noFill/>
-          </a:ln>
-        </p:spPr>
-        <p:txBody>
-          <a:bodyPr spcFirstLastPara="1" wrap="square" lIns="91425" tIns="91425" rIns="91425" bIns="91425" anchor="ctr" anchorCtr="0">
-            <a:noAutofit/>
-          </a:bodyPr>
-          <a:lstStyle/>
-          <a:p>
-            <a:pPr marL="0" lvl="0" indent="0" algn="ctr" rtl="0">
-              <a:spcBef>
-                <a:spcPts val="0"/>
-              </a:spcBef>
-              <a:spcAft>
-                <a:spcPts val="0"/>
-              </a:spcAft>
-              <a:buNone/>
-            </a:pPr>
-            <a:r>
-              <a:rPr lang="en" sz="3000" b="1" dirty="0">
-                <a:solidFill>
-                  <a:schemeClr val="lt1"/>
-                </a:solidFill>
-                <a:latin typeface="Marvel" charset="0"/>
-                <a:ea typeface="Marvel"/>
-                <a:cs typeface="Marvel"/>
-                <a:sym typeface="Marvel"/>
-              </a:rPr>
-              <a:t>03</a:t>
-            </a:r>
-            <a:endParaRPr sz="3000" b="1" dirty="0">
-              <a:solidFill>
-                <a:schemeClr val="lt1"/>
-              </a:solidFill>
-              <a:latin typeface="Marvel" charset="0"/>
-              <a:ea typeface="Marvel"/>
-              <a:cs typeface="Marvel"/>
-              <a:sym typeface="Marvel"/>
-            </a:endParaRPr>
-          </a:p>
-        </p:txBody>
-      </p:sp>
-      <p:sp>
-        <p:nvSpPr>
-          <p:cNvPr id="570" name="Google Shape;570;p42"/>
-          <p:cNvSpPr txBox="1"/>
-          <p:nvPr/>
-        </p:nvSpPr>
-        <p:spPr>
-          <a:xfrm>
-            <a:off x="2329425" y="786615"/>
-            <a:ext cx="2841793" cy="1249743"/>
-          </a:xfrm>
-          <a:prstGeom prst="rect">
-            <a:avLst/>
-          </a:prstGeom>
-          <a:noFill/>
-          <a:ln>
-            <a:noFill/>
-          </a:ln>
-        </p:spPr>
-        <p:txBody>
-          <a:bodyPr spcFirstLastPara="1" wrap="square" lIns="91425" tIns="91425" rIns="91425" bIns="91425" anchor="t" anchorCtr="0">
-            <a:noAutofit/>
-          </a:bodyPr>
-          <a:lstStyle/>
-          <a:p>
-            <a:pPr lvl="0" algn="ctr">
-              <a:spcAft>
-                <a:spcPts val="1600"/>
-              </a:spcAft>
-            </a:pPr>
-            <a:r>
-              <a:rPr lang="en-US" b="1" dirty="0">
-                <a:solidFill>
-                  <a:schemeClr val="accent1">
-                    <a:lumMod val="50000"/>
-                  </a:schemeClr>
-                </a:solidFill>
-                <a:latin typeface="Marvel" charset="0"/>
-                <a:cs typeface="Assistant ExtraLight" charset="-79"/>
-              </a:rPr>
-              <a:t>When assumption of independence holds, a </a:t>
-            </a:r>
-            <a:r>
-              <a:rPr lang="en-US" b="1" dirty="0" smtClean="0">
-                <a:solidFill>
-                  <a:schemeClr val="accent1">
-                    <a:lumMod val="50000"/>
-                  </a:schemeClr>
-                </a:solidFill>
-                <a:latin typeface="Marvel" charset="0"/>
-                <a:cs typeface="Assistant ExtraLight" charset="-79"/>
-              </a:rPr>
-              <a:t>Naïve </a:t>
-            </a:r>
-            <a:r>
-              <a:rPr lang="en-US" b="1" dirty="0">
-                <a:solidFill>
-                  <a:schemeClr val="accent1">
-                    <a:lumMod val="50000"/>
-                  </a:schemeClr>
-                </a:solidFill>
-                <a:latin typeface="Marvel" charset="0"/>
-                <a:cs typeface="Assistant ExtraLight" charset="-79"/>
-              </a:rPr>
-              <a:t>Bayes classifier performs better compare to other models like logistic regression and you need less training data.</a:t>
-            </a:r>
-            <a:endParaRPr b="1" dirty="0">
-              <a:solidFill>
-                <a:schemeClr val="accent1">
-                  <a:lumMod val="50000"/>
-                </a:schemeClr>
-              </a:solidFill>
-              <a:latin typeface="Marvel" charset="0"/>
-              <a:ea typeface="Assistant ExtraLight"/>
-              <a:cs typeface="Assistant ExtraLight" charset="-79"/>
-              <a:sym typeface="Assistant ExtraLight"/>
-            </a:endParaRPr>
-          </a:p>
-        </p:txBody>
-      </p:sp>
-      <p:sp>
-        <p:nvSpPr>
-          <p:cNvPr id="574" name="Google Shape;574;p42"/>
-          <p:cNvSpPr txBox="1"/>
-          <p:nvPr/>
-        </p:nvSpPr>
-        <p:spPr>
-          <a:xfrm>
-            <a:off x="6346148" y="2728934"/>
-            <a:ext cx="2797852" cy="1543846"/>
-          </a:xfrm>
-          <a:prstGeom prst="rect">
-            <a:avLst/>
-          </a:prstGeom>
-          <a:noFill/>
-          <a:ln>
-            <a:noFill/>
-          </a:ln>
-        </p:spPr>
-        <p:txBody>
-          <a:bodyPr spcFirstLastPara="1" wrap="square" lIns="91425" tIns="91425" rIns="91425" bIns="91425" anchor="t" anchorCtr="0">
-            <a:noAutofit/>
-          </a:bodyPr>
-          <a:lstStyle/>
-          <a:p>
-            <a:pPr algn="ctr"/>
-            <a:r>
-              <a:rPr lang="en-US" b="1" dirty="0">
-                <a:solidFill>
-                  <a:schemeClr val="accent1">
-                    <a:lumMod val="50000"/>
-                  </a:schemeClr>
-                </a:solidFill>
-                <a:latin typeface="Marvel" charset="0"/>
-                <a:cs typeface="Assistant ExtraLight" charset="-79"/>
-              </a:rPr>
-              <a:t>It perform well in case of categorical input variables compared to numerical variable(s). For numerical variable, normal distribution is assumed (bell curve, which is a strong assumption).</a:t>
-            </a:r>
-            <a:endParaRPr lang="en-US" b="1" dirty="0">
-              <a:solidFill>
-                <a:schemeClr val="accent1">
-                  <a:lumMod val="50000"/>
-                </a:schemeClr>
-              </a:solidFill>
-              <a:latin typeface="Marvel" charset="0"/>
-              <a:cs typeface="Assistant ExtraLight" charset="-79"/>
-            </a:endParaRPr>
-          </a:p>
-        </p:txBody>
-      </p:sp>
     </p:spTree>
     <p:extLst>
       <p:ext uri="{BB962C8B-B14F-4D97-AF65-F5344CB8AC3E}">
-        <p14:creationId xmlns:p14="http://schemas.microsoft.com/office/powerpoint/2010/main" val="1658129177"/>
+        <p14:creationId xmlns:p14="http://schemas.microsoft.com/office/powerpoint/2010/main" val="1578289472"/>
       </p:ext>
     </p:extLst>
   </p:cSld>
@@ -15959,20 +16148,19 @@
           <a:p>
             <a:pPr algn="ctr"/>
             <a:r>
-              <a:rPr lang="en-US" b="1" dirty="0">
-                <a:solidFill>
-                  <a:schemeClr val="accent1">
+              <a:rPr lang="en-US" dirty="0">
+                <a:solidFill>
+                  <a:schemeClr val="bg1">
                     <a:lumMod val="50000"/>
                   </a:schemeClr>
                 </a:solidFill>
                 <a:latin typeface="Marvel" charset="0"/>
-                <a:cs typeface="Assistant ExtraLight" charset="-79"/>
               </a:rPr>
-              <a:t>If categorical variable has a category (in test data set), which was not observed in training data set, then model will assign a 0 (zero) probability and will be unable to make a prediction. This is often known as “Zero Frequency”. To solve this, we can use the smoothing technique. </a:t>
+              <a:t>Naive Bayes assumes that all predictors (or features) are independent, rarely happening in real life. This limits the applicability of this algorithm in real-world use cases</a:t>
             </a:r>
             <a:endParaRPr lang="en-US" b="1" dirty="0">
               <a:solidFill>
-                <a:schemeClr val="accent1">
+                <a:schemeClr val="bg1">
                   <a:lumMod val="50000"/>
                 </a:schemeClr>
               </a:solidFill>
@@ -16235,20 +16423,19 @@
           <a:p>
             <a:pPr algn="ctr"/>
             <a:r>
-              <a:rPr lang="en-US" b="1" dirty="0">
-                <a:solidFill>
-                  <a:schemeClr val="accent1">
+              <a:rPr lang="en-US" dirty="0">
+                <a:solidFill>
+                  <a:schemeClr val="bg1">
                     <a:lumMod val="50000"/>
                   </a:schemeClr>
                 </a:solidFill>
                 <a:latin typeface="Marvel" charset="0"/>
-                <a:cs typeface="Assistant ExtraLight" charset="-79"/>
               </a:rPr>
-              <a:t>Another limitation of Naïve Bayes is the assumption of independent predictors. In real life, it is almost impossible that we get a set of predictors which are completely independent.</a:t>
+              <a:t>Its estimations can be wrong in some cases, so you shouldn’t take its probability outputs very seriously</a:t>
             </a:r>
             <a:endParaRPr lang="en-US" b="1" dirty="0">
               <a:solidFill>
-                <a:schemeClr val="accent1">
+                <a:schemeClr val="bg1">
                   <a:lumMod val="50000"/>
                 </a:schemeClr>
               </a:solidFill>
@@ -16511,51 +16698,15 @@
           <a:p>
             <a:pPr algn="ctr"/>
             <a:r>
-              <a:rPr lang="en-US" b="1" dirty="0">
+              <a:rPr lang="en-US" dirty="0">
                 <a:solidFill>
                   <a:schemeClr val="bg1">
                     <a:lumMod val="50000"/>
                   </a:schemeClr>
                 </a:solidFill>
                 <a:latin typeface="Marvel" charset="0"/>
-                <a:cs typeface="Assistant ExtraLight" charset="-79"/>
               </a:rPr>
-              <a:t>On the other side </a:t>
-            </a:r>
-            <a:r>
-              <a:rPr lang="en-US" b="1" dirty="0" smtClean="0">
-                <a:solidFill>
-                  <a:schemeClr val="bg1">
-                    <a:lumMod val="50000"/>
-                  </a:schemeClr>
-                </a:solidFill>
-                <a:latin typeface="Marvel" charset="0"/>
-                <a:cs typeface="Assistant ExtraLight" charset="-79"/>
-              </a:rPr>
-              <a:t>naïve </a:t>
-            </a:r>
-            <a:r>
-              <a:rPr lang="en-US" b="1" dirty="0">
-                <a:solidFill>
-                  <a:schemeClr val="bg1">
-                    <a:lumMod val="50000"/>
-                  </a:schemeClr>
-                </a:solidFill>
-                <a:latin typeface="Marvel" charset="0"/>
-                <a:cs typeface="Assistant ExtraLight" charset="-79"/>
-              </a:rPr>
-              <a:t>Bayes is also </a:t>
-            </a:r>
-            <a:r>
-              <a:rPr lang="en-US" b="1" dirty="0">
-                <a:solidFill>
-                  <a:schemeClr val="bg1">
-                    <a:lumMod val="50000"/>
-                  </a:schemeClr>
-                </a:solidFill>
-                <a:latin typeface="Marvel" charset="0"/>
-              </a:rPr>
-              <a:t>known as a bad estimator, so the probability outputs are not to be taken too seriously</a:t>
+              <a:t>This algorithm faces the ‘zero-frequency problem’ where it assigns zero probability to a categorical variable whose category in the test data set wasn’t available in the training dataset. It would be best if you used a smoothing technique to overcome this issue</a:t>
             </a:r>
             <a:endParaRPr lang="en-US" b="1" dirty="0">
               <a:solidFill>
@@ -17706,7 +17857,7 @@
         </p:nvSpPr>
         <p:spPr>
           <a:xfrm>
-            <a:off x="914138" y="157346"/>
+            <a:off x="969223" y="157346"/>
             <a:ext cx="2463000" cy="692700"/>
           </a:xfrm>
           <a:prstGeom prst="rect">
@@ -18267,8 +18418,8 @@
         </p:nvSpPr>
         <p:spPr>
           <a:xfrm flipH="1">
-            <a:off x="347220" y="3818523"/>
-            <a:ext cx="4218727" cy="1679945"/>
+            <a:off x="424337" y="3862591"/>
+            <a:ext cx="3872241" cy="1679945"/>
           </a:xfrm>
           <a:prstGeom prst="rect">
             <a:avLst/>
@@ -18301,7 +18452,40 @@
                 </a:solidFill>
                 <a:latin typeface="Marvel" charset="0"/>
               </a:rPr>
-              <a:t>Bayes classifiers has limited options for parameter tuning like alpha=1 for smoothing, </a:t>
+              <a:t>Bayes classifiers has limited options for </a:t>
+            </a:r>
+            <a:endParaRPr lang="en-US" b="1" dirty="0" smtClean="0">
+              <a:solidFill>
+                <a:schemeClr val="accent1">
+                  <a:lumMod val="50000"/>
+                </a:schemeClr>
+              </a:solidFill>
+              <a:latin typeface="Marvel" charset="0"/>
+            </a:endParaRPr>
+          </a:p>
+          <a:p>
+            <a:pPr marL="0" lvl="0" indent="0"/>
+            <a:r>
+              <a:rPr lang="en-US" b="1" dirty="0" smtClean="0">
+                <a:solidFill>
+                  <a:schemeClr val="accent1">
+                    <a:lumMod val="50000"/>
+                  </a:schemeClr>
+                </a:solidFill>
+                <a:latin typeface="Marvel" charset="0"/>
+              </a:rPr>
+              <a:t>parameter </a:t>
+            </a:r>
+            <a:r>
+              <a:rPr lang="en-US" b="1" dirty="0">
+                <a:solidFill>
+                  <a:schemeClr val="accent1">
+                    <a:lumMod val="50000"/>
+                  </a:schemeClr>
+                </a:solidFill>
+                <a:latin typeface="Marvel" charset="0"/>
+              </a:rPr>
+              <a:t>tuning like alpha=1 for smoothing, </a:t>
             </a:r>
             <a:r>
               <a:rPr lang="en-US" b="1" dirty="0" err="1">
@@ -18345,7 +18529,43 @@
                 </a:solidFill>
                 <a:latin typeface="Marvel" charset="0"/>
               </a:rPr>
-              <a:t>] to learn class prior probabilities or </a:t>
+              <a:t>] to learn class prior </a:t>
+            </a:r>
+            <a:r>
+              <a:rPr lang="en-US" b="1" dirty="0" smtClean="0">
+                <a:solidFill>
+                  <a:schemeClr val="accent1">
+                    <a:lumMod val="50000"/>
+                  </a:schemeClr>
+                </a:solidFill>
+                <a:latin typeface="Marvel" charset="0"/>
+              </a:rPr>
+              <a:t>probabilities</a:t>
+            </a:r>
+          </a:p>
+          <a:p>
+            <a:pPr marL="0" lvl="0" indent="0"/>
+            <a:r>
+              <a:rPr lang="en-US" b="1" dirty="0" smtClean="0">
+                <a:solidFill>
+                  <a:schemeClr val="accent1">
+                    <a:lumMod val="50000"/>
+                  </a:schemeClr>
+                </a:solidFill>
+                <a:latin typeface="Marvel" charset="0"/>
+              </a:rPr>
+              <a:t> </a:t>
+            </a:r>
+            <a:r>
+              <a:rPr lang="en-US" b="1" dirty="0">
+                <a:solidFill>
+                  <a:schemeClr val="accent1">
+                    <a:lumMod val="50000"/>
+                  </a:schemeClr>
+                </a:solidFill>
+                <a:latin typeface="Marvel" charset="0"/>
+              </a:rPr>
+              <a:t>or </a:t>
             </a:r>
             <a:r>
               <a:rPr lang="en-US" b="1" dirty="0" smtClean="0">
@@ -18566,8 +18786,8 @@
         </p:nvSpPr>
         <p:spPr>
           <a:xfrm>
-            <a:off x="1805405" y="1183155"/>
-            <a:ext cx="6817600" cy="4420311"/>
+            <a:off x="1805405" y="1707614"/>
+            <a:ext cx="6817600" cy="3895852"/>
           </a:xfrm>
           <a:prstGeom prst="rect">
             <a:avLst/>
@@ -18598,10 +18818,22 @@
               <a:buChar char="o"/>
             </a:pPr>
             <a:r>
-              <a:rPr lang="en-US" sz="1200" dirty="0"/>
+              <a:rPr lang="en-US" sz="1200" dirty="0">
+                <a:solidFill>
+                  <a:schemeClr val="bg1">
+                    <a:lumMod val="50000"/>
+                  </a:schemeClr>
+                </a:solidFill>
+              </a:rPr>
               <a:t>https://towardsdatascience.com/all-about-naive-bayes-8e13cef044cf</a:t>
             </a:r>
-            <a:endParaRPr sz="1200" dirty="0"/>
+            <a:endParaRPr sz="1200" dirty="0">
+              <a:solidFill>
+                <a:schemeClr val="bg1">
+                  <a:lumMod val="50000"/>
+                </a:schemeClr>
+              </a:solidFill>
+            </a:endParaRPr>
           </a:p>
           <a:p>
             <a:pPr marL="285750" lvl="0" indent="-285750" algn="l" rtl="0">
@@ -18619,51 +18851,123 @@
               <a:buChar char="o"/>
             </a:pPr>
             <a:r>
-              <a:rPr lang="en-US" sz="1200" dirty="0"/>
+              <a:rPr lang="en-US" sz="1200" dirty="0">
+                <a:solidFill>
+                  <a:schemeClr val="bg1">
+                    <a:lumMod val="50000"/>
+                  </a:schemeClr>
+                </a:solidFill>
+              </a:rPr>
               <a:t>Chapter 8: Data Mining: Concepts and Techniques, 3rd </a:t>
             </a:r>
             <a:r>
-              <a:rPr lang="en-US" sz="1200" dirty="0" err="1"/>
+              <a:rPr lang="en-US" sz="1200" dirty="0" err="1">
+                <a:solidFill>
+                  <a:schemeClr val="bg1">
+                    <a:lumMod val="50000"/>
+                  </a:schemeClr>
+                </a:solidFill>
+              </a:rPr>
               <a:t>ed</a:t>
             </a:r>
             <a:r>
-              <a:rPr lang="en-US" sz="1200" dirty="0"/>
+              <a:rPr lang="en-US" sz="1200" dirty="0">
+                <a:solidFill>
+                  <a:schemeClr val="bg1">
+                    <a:lumMod val="50000"/>
+                  </a:schemeClr>
+                </a:solidFill>
+              </a:rPr>
               <a:t> by </a:t>
             </a:r>
             <a:r>
-              <a:rPr lang="en-US" sz="1200" dirty="0" err="1"/>
+              <a:rPr lang="en-US" sz="1200" dirty="0" err="1">
+                <a:solidFill>
+                  <a:schemeClr val="bg1">
+                    <a:lumMod val="50000"/>
+                  </a:schemeClr>
+                </a:solidFill>
+              </a:rPr>
               <a:t>Jiawei</a:t>
             </a:r>
             <a:r>
-              <a:rPr lang="en-US" sz="1200" dirty="0"/>
+              <a:rPr lang="en-US" sz="1200" dirty="0">
+                <a:solidFill>
+                  <a:schemeClr val="bg1">
+                    <a:lumMod val="50000"/>
+                  </a:schemeClr>
+                </a:solidFill>
+              </a:rPr>
               <a:t> Han, </a:t>
             </a:r>
             <a:r>
-              <a:rPr lang="en-US" sz="1200" dirty="0" err="1"/>
+              <a:rPr lang="en-US" sz="1200" dirty="0" err="1">
+                <a:solidFill>
+                  <a:schemeClr val="bg1">
+                    <a:lumMod val="50000"/>
+                  </a:schemeClr>
+                </a:solidFill>
+              </a:rPr>
               <a:t>Micheline</a:t>
             </a:r>
             <a:r>
-              <a:rPr lang="en-US" sz="1200" dirty="0"/>
+              <a:rPr lang="en-US" sz="1200" dirty="0">
+                <a:solidFill>
+                  <a:schemeClr val="bg1">
+                    <a:lumMod val="50000"/>
+                  </a:schemeClr>
+                </a:solidFill>
+              </a:rPr>
               <a:t> </a:t>
             </a:r>
             <a:r>
-              <a:rPr lang="en-US" sz="1200" dirty="0" err="1"/>
+              <a:rPr lang="en-US" sz="1200" dirty="0" err="1">
+                <a:solidFill>
+                  <a:schemeClr val="bg1">
+                    <a:lumMod val="50000"/>
+                  </a:schemeClr>
+                </a:solidFill>
+              </a:rPr>
               <a:t>Kamber</a:t>
             </a:r>
             <a:r>
-              <a:rPr lang="en-US" sz="1200" dirty="0"/>
+              <a:rPr lang="en-US" sz="1200" dirty="0">
+                <a:solidFill>
+                  <a:schemeClr val="bg1">
+                    <a:lumMod val="50000"/>
+                  </a:schemeClr>
+                </a:solidFill>
+              </a:rPr>
               <a:t> and </a:t>
             </a:r>
             <a:r>
-              <a:rPr lang="en-US" sz="1200" dirty="0" err="1"/>
+              <a:rPr lang="en-US" sz="1200" dirty="0" err="1">
+                <a:solidFill>
+                  <a:schemeClr val="bg1">
+                    <a:lumMod val="50000"/>
+                  </a:schemeClr>
+                </a:solidFill>
+              </a:rPr>
               <a:t>Jian</a:t>
             </a:r>
             <a:r>
-              <a:rPr lang="en-US" sz="1200" dirty="0"/>
+              <a:rPr lang="en-US" sz="1200" dirty="0">
+                <a:solidFill>
+                  <a:schemeClr val="bg1">
+                    <a:lumMod val="50000"/>
+                  </a:schemeClr>
+                </a:solidFill>
+              </a:rPr>
               <a:t> Pei, The Morgan Kaufmann Series in Data Management Systems</a:t>
             </a:r>
             <a:r>
-              <a:rPr lang="en-US" sz="1200" dirty="0" smtClean="0"/>
+              <a:rPr lang="en-US" sz="1200" dirty="0" smtClean="0">
+                <a:solidFill>
+                  <a:schemeClr val="bg1">
+                    <a:lumMod val="50000"/>
+                  </a:schemeClr>
+                </a:solidFill>
+              </a:rPr>
               <a:t>.</a:t>
             </a:r>
           </a:p>
@@ -18682,7 +18986,13 @@
               <a:buFont typeface="Courier New"/>
               <a:buChar char="o"/>
             </a:pPr>
-            <a:endParaRPr sz="1200" dirty="0"/>
+            <a:endParaRPr sz="1200" dirty="0">
+              <a:solidFill>
+                <a:schemeClr val="bg1">
+                  <a:lumMod val="50000"/>
+                </a:schemeClr>
+              </a:solidFill>
+            </a:endParaRPr>
           </a:p>
           <a:p>
             <a:pPr marL="285750" lvl="0" indent="-285750" algn="l" rtl="0">
@@ -18700,19 +19010,43 @@
               <a:buChar char="o"/>
             </a:pPr>
             <a:r>
-              <a:rPr lang="en-US" sz="1200" dirty="0"/>
+              <a:rPr lang="en-US" sz="1200" dirty="0">
+                <a:solidFill>
+                  <a:schemeClr val="bg1">
+                    <a:lumMod val="50000"/>
+                  </a:schemeClr>
+                </a:solidFill>
+              </a:rPr>
               <a:t>Sunil Ray,  (2020, October 18). Learn Naive Bayes Algorithm: Naive Bayes Classifier Examples. Retrieved from https://www.analyticsvidhya.com/blog/2017/09/naive-bayes-explained/#:~:text=Naive Bayes Model-,What is Naive Bayes </a:t>
             </a:r>
             <a:r>
-              <a:rPr lang="en-US" sz="1200" dirty="0" err="1"/>
+              <a:rPr lang="en-US" sz="1200" dirty="0" err="1">
+                <a:solidFill>
+                  <a:schemeClr val="bg1">
+                    <a:lumMod val="50000"/>
+                  </a:schemeClr>
+                </a:solidFill>
+              </a:rPr>
               <a:t>algorithm?,presence</a:t>
             </a:r>
             <a:r>
-              <a:rPr lang="en-US" sz="1200" dirty="0"/>
+              <a:rPr lang="en-US" sz="1200" dirty="0">
+                <a:solidFill>
+                  <a:schemeClr val="bg1">
+                    <a:lumMod val="50000"/>
+                  </a:schemeClr>
+                </a:solidFill>
+              </a:rPr>
               <a:t> of any other feature</a:t>
             </a:r>
             <a:r>
-              <a:rPr lang="en-US" sz="1200" dirty="0" smtClean="0"/>
+              <a:rPr lang="en-US" sz="1200" dirty="0" smtClean="0">
+                <a:solidFill>
+                  <a:schemeClr val="bg1">
+                    <a:lumMod val="50000"/>
+                  </a:schemeClr>
+                </a:solidFill>
+              </a:rPr>
               <a:t>.</a:t>
             </a:r>
           </a:p>
@@ -18731,7 +19065,13 @@
               <a:buFont typeface="Courier New"/>
               <a:buChar char="o"/>
             </a:pPr>
-            <a:endParaRPr sz="1200" dirty="0"/>
+            <a:endParaRPr sz="1200" dirty="0">
+              <a:solidFill>
+                <a:schemeClr val="bg1">
+                  <a:lumMod val="50000"/>
+                </a:schemeClr>
+              </a:solidFill>
+            </a:endParaRPr>
           </a:p>
           <a:p>
             <a:pPr marL="285750" lvl="0" indent="-285750" algn="l" rtl="0">
@@ -18749,22 +19089,25 @@
               <a:buChar char="o"/>
             </a:pPr>
             <a:r>
-              <a:rPr lang="en-US" sz="1200" dirty="0"/>
-              <a:t>Gandhi, R. (2018, May 17). Naive Bayes Classifier. Retrieved from </a:t>
-            </a:r>
-            <a:r>
               <a:rPr lang="en-US" sz="1200" dirty="0">
-                <a:hlinkClick r:id="rId3"/>
+                <a:solidFill>
+                  <a:schemeClr val="bg1">
+                    <a:lumMod val="50000"/>
+                  </a:schemeClr>
+                </a:solidFill>
               </a:rPr>
-              <a:t>https://</a:t>
+              <a:t>Gandhi, R. (2018, May 17). Naive Bayes Classifier. Retrieved from https://</a:t>
             </a:r>
             <a:r>
               <a:rPr lang="en-US" sz="1200" dirty="0" smtClean="0">
-                <a:hlinkClick r:id="rId3"/>
+                <a:solidFill>
+                  <a:schemeClr val="bg1">
+                    <a:lumMod val="50000"/>
+                  </a:schemeClr>
+                </a:solidFill>
               </a:rPr>
               <a:t>towardsdatascience.com/naive-bayes-classifier-81d512f50a7c</a:t>
             </a:r>
-            <a:endParaRPr lang="en-US" sz="1200" dirty="0" smtClean="0"/>
           </a:p>
           <a:p>
             <a:pPr marL="285750" lvl="0" indent="-285750" algn="l" rtl="0">
@@ -18781,7 +19124,13 @@
               <a:buFont typeface="Courier New"/>
               <a:buChar char="o"/>
             </a:pPr>
-            <a:endParaRPr lang="en-US" sz="1200" dirty="0" smtClean="0"/>
+            <a:endParaRPr lang="en-US" sz="1200" dirty="0" smtClean="0">
+              <a:solidFill>
+                <a:schemeClr val="bg1">
+                  <a:lumMod val="50000"/>
+                </a:schemeClr>
+              </a:solidFill>
+            </a:endParaRPr>
           </a:p>
           <a:p>
             <a:pPr marL="285750" lvl="0" indent="-285750">
@@ -18792,26 +19141,35 @@
               <a:buChar char="o"/>
             </a:pPr>
             <a:r>
-              <a:rPr lang="en-US" sz="1200" dirty="0" err="1"/>
+              <a:rPr lang="en-US" sz="1200" dirty="0" err="1">
+                <a:solidFill>
+                  <a:schemeClr val="bg1">
+                    <a:lumMod val="50000"/>
+                  </a:schemeClr>
+                </a:solidFill>
+              </a:rPr>
               <a:t>Chauhan</a:t>
             </a:r>
             <a:r>
-              <a:rPr lang="en-US" sz="1200" dirty="0"/>
-              <a:t>, G. (2018, October 08). All about Naive Bayes. Retrieved from </a:t>
-            </a:r>
-            <a:r>
               <a:rPr lang="en-US" sz="1200" dirty="0">
-                <a:hlinkClick r:id="rId4"/>
+                <a:solidFill>
+                  <a:schemeClr val="bg1">
+                    <a:lumMod val="50000"/>
+                  </a:schemeClr>
+                </a:solidFill>
               </a:rPr>
-              <a:t>https://</a:t>
+              <a:t>, G. (2018, October 08). All about Naive Bayes. Retrieved from https://</a:t>
             </a:r>
             <a:r>
               <a:rPr lang="en-US" sz="1200" dirty="0" smtClean="0">
-                <a:hlinkClick r:id="rId4"/>
+                <a:solidFill>
+                  <a:schemeClr val="bg1">
+                    <a:lumMod val="50000"/>
+                  </a:schemeClr>
+                </a:solidFill>
               </a:rPr>
               <a:t>towardsdatascience.com/all-about-naive-bayes-8e13cef044cf</a:t>
             </a:r>
-            <a:endParaRPr lang="en-US" sz="1200" dirty="0" smtClean="0"/>
           </a:p>
           <a:p>
             <a:pPr marL="285750" lvl="0" indent="-285750">
@@ -18821,37 +19179,13 @@
               <a:buFont typeface="Courier New"/>
               <a:buChar char="o"/>
             </a:pPr>
-            <a:endParaRPr lang="en-US" sz="1200" dirty="0"/>
-          </a:p>
-          <a:p>
-            <a:pPr marL="285750" lvl="0" indent="-285750">
-              <a:lnSpc>
-                <a:spcPct val="100000"/>
-              </a:lnSpc>
-              <a:buFont typeface="Courier New"/>
-              <a:buChar char="o"/>
-            </a:pPr>
-            <a:r>
-              <a:rPr lang="en-US" sz="1200" dirty="0"/>
-              <a:t>Sunil </a:t>
-            </a:r>
-            <a:r>
-              <a:rPr lang="en-US" sz="1200" dirty="0" err="1"/>
-              <a:t>RayI</a:t>
-            </a:r>
-            <a:r>
-              <a:rPr lang="en-US" sz="1200" dirty="0"/>
-              <a:t> am a Business Analytics and Intelligence professional with deep experience in the Indian Insurance industry. I have worked for various multi-national Insurance companies in last 7 years. (2020, October 18). Learn Naive Bayes Algorithm: Naive Bayes Classifier Examples. Retrieved from https://www.analyticsvidhya.com/blog/2017/09/naive-bayes-explained/#:~:text=Real time Prediction: Naive </a:t>
-            </a:r>
-            <a:r>
-              <a:rPr lang="en-US" sz="1200" dirty="0" err="1"/>
-              <a:t>Bayes,multiple</a:t>
-            </a:r>
-            <a:r>
-              <a:rPr lang="en-US" sz="1200" dirty="0"/>
-              <a:t> classes of target variable</a:t>
-            </a:r>
-            <a:endParaRPr sz="1200" dirty="0"/>
+            <a:endParaRPr lang="en-US" sz="1200" dirty="0">
+              <a:solidFill>
+                <a:schemeClr val="bg1">
+                  <a:lumMod val="50000"/>
+                </a:schemeClr>
+              </a:solidFill>
+            </a:endParaRPr>
           </a:p>
         </p:txBody>
       </p:sp>
